--- a/pristatymas.pptx
+++ b/pristatymas.pptx
@@ -254,7 +254,7 @@
           <a:p>
             <a:fld id="{5ED22D0A-BDA8-4E81-8A3C-0A917ED0E903}" type="datetimeFigureOut">
               <a:rPr lang="lt-LT" smtClean="0"/>
-              <a:t>2015-06-07</a:t>
+              <a:t>2015-06-08</a:t>
             </a:fld>
             <a:endParaRPr lang="lt-LT"/>
           </a:p>
@@ -424,7 +424,7 @@
           <a:p>
             <a:fld id="{5ED22D0A-BDA8-4E81-8A3C-0A917ED0E903}" type="datetimeFigureOut">
               <a:rPr lang="lt-LT" smtClean="0"/>
-              <a:t>2015-06-07</a:t>
+              <a:t>2015-06-08</a:t>
             </a:fld>
             <a:endParaRPr lang="lt-LT"/>
           </a:p>
@@ -604,7 +604,7 @@
           <a:p>
             <a:fld id="{5ED22D0A-BDA8-4E81-8A3C-0A917ED0E903}" type="datetimeFigureOut">
               <a:rPr lang="lt-LT" smtClean="0"/>
-              <a:t>2015-06-07</a:t>
+              <a:t>2015-06-08</a:t>
             </a:fld>
             <a:endParaRPr lang="lt-LT"/>
           </a:p>
@@ -774,7 +774,7 @@
           <a:p>
             <a:fld id="{5ED22D0A-BDA8-4E81-8A3C-0A917ED0E903}" type="datetimeFigureOut">
               <a:rPr lang="lt-LT" smtClean="0"/>
-              <a:t>2015-06-07</a:t>
+              <a:t>2015-06-08</a:t>
             </a:fld>
             <a:endParaRPr lang="lt-LT"/>
           </a:p>
@@ -1020,7 +1020,7 @@
           <a:p>
             <a:fld id="{5ED22D0A-BDA8-4E81-8A3C-0A917ED0E903}" type="datetimeFigureOut">
               <a:rPr lang="lt-LT" smtClean="0"/>
-              <a:t>2015-06-07</a:t>
+              <a:t>2015-06-08</a:t>
             </a:fld>
             <a:endParaRPr lang="lt-LT"/>
           </a:p>
@@ -1252,7 +1252,7 @@
           <a:p>
             <a:fld id="{5ED22D0A-BDA8-4E81-8A3C-0A917ED0E903}" type="datetimeFigureOut">
               <a:rPr lang="lt-LT" smtClean="0"/>
-              <a:t>2015-06-07</a:t>
+              <a:t>2015-06-08</a:t>
             </a:fld>
             <a:endParaRPr lang="lt-LT"/>
           </a:p>
@@ -1619,7 +1619,7 @@
           <a:p>
             <a:fld id="{5ED22D0A-BDA8-4E81-8A3C-0A917ED0E903}" type="datetimeFigureOut">
               <a:rPr lang="lt-LT" smtClean="0"/>
-              <a:t>2015-06-07</a:t>
+              <a:t>2015-06-08</a:t>
             </a:fld>
             <a:endParaRPr lang="lt-LT"/>
           </a:p>
@@ -1737,7 +1737,7 @@
           <a:p>
             <a:fld id="{5ED22D0A-BDA8-4E81-8A3C-0A917ED0E903}" type="datetimeFigureOut">
               <a:rPr lang="lt-LT" smtClean="0"/>
-              <a:t>2015-06-07</a:t>
+              <a:t>2015-06-08</a:t>
             </a:fld>
             <a:endParaRPr lang="lt-LT"/>
           </a:p>
@@ -1832,7 +1832,7 @@
           <a:p>
             <a:fld id="{5ED22D0A-BDA8-4E81-8A3C-0A917ED0E903}" type="datetimeFigureOut">
               <a:rPr lang="lt-LT" smtClean="0"/>
-              <a:t>2015-06-07</a:t>
+              <a:t>2015-06-08</a:t>
             </a:fld>
             <a:endParaRPr lang="lt-LT"/>
           </a:p>
@@ -2109,7 +2109,7 @@
           <a:p>
             <a:fld id="{5ED22D0A-BDA8-4E81-8A3C-0A917ED0E903}" type="datetimeFigureOut">
               <a:rPr lang="lt-LT" smtClean="0"/>
-              <a:t>2015-06-07</a:t>
+              <a:t>2015-06-08</a:t>
             </a:fld>
             <a:endParaRPr lang="lt-LT"/>
           </a:p>
@@ -2362,7 +2362,7 @@
           <a:p>
             <a:fld id="{5ED22D0A-BDA8-4E81-8A3C-0A917ED0E903}" type="datetimeFigureOut">
               <a:rPr lang="lt-LT" smtClean="0"/>
-              <a:t>2015-06-07</a:t>
+              <a:t>2015-06-08</a:t>
             </a:fld>
             <a:endParaRPr lang="lt-LT"/>
           </a:p>
@@ -2575,7 +2575,7 @@
           <a:p>
             <a:fld id="{5ED22D0A-BDA8-4E81-8A3C-0A917ED0E903}" type="datetimeFigureOut">
               <a:rPr lang="lt-LT" smtClean="0"/>
-              <a:t>2015-06-07</a:t>
+              <a:t>2015-06-08</a:t>
             </a:fld>
             <a:endParaRPr lang="lt-LT"/>
           </a:p>
@@ -3128,25 +3128,6 @@
           </a:p>
         </p:txBody>
       </p:sp>
-      <p:sp>
-        <p:nvSpPr>
-          <p:cNvPr id="3" name="Content Placeholder 2"/>
-          <p:cNvSpPr>
-            <a:spLocks noGrp="1"/>
-          </p:cNvSpPr>
-          <p:nvPr>
-            <p:ph idx="1"/>
-          </p:nvPr>
-        </p:nvSpPr>
-        <p:spPr/>
-        <p:txBody>
-          <a:bodyPr/>
-          <a:lstStyle/>
-          <a:p>
-            <a:endParaRPr lang="lt-LT"/>
-          </a:p>
-        </p:txBody>
-      </p:sp>
       <p:pic>
         <p:nvPicPr>
           <p:cNvPr id="4" name="Picture 3"/>
@@ -3171,6 +3152,113 @@
           </a:prstGeom>
         </p:spPr>
       </p:pic>
+      <p:sp>
+        <p:nvSpPr>
+          <p:cNvPr id="3" name="Content Placeholder 2"/>
+          <p:cNvSpPr>
+            <a:spLocks noGrp="1"/>
+          </p:cNvSpPr>
+          <p:nvPr>
+            <p:ph idx="1"/>
+          </p:nvPr>
+        </p:nvSpPr>
+        <p:spPr>
+          <a:xfrm>
+            <a:off x="838200" y="1825625"/>
+            <a:ext cx="10515600" cy="1507235"/>
+          </a:xfrm>
+        </p:spPr>
+        <p:txBody>
+          <a:bodyPr>
+            <a:normAutofit fontScale="77500" lnSpcReduction="20000"/>
+          </a:bodyPr>
+          <a:lstStyle/>
+          <a:p>
+            <a:r>
+              <a:rPr lang="lt-LT" dirty="0" smtClean="0"/>
+              <a:t>Sukurta</a:t>
+            </a:r>
+            <a:r>
+              <a:rPr lang="lt-LT" dirty="0"/>
+              <a:t>, apmokyta ir </a:t>
+            </a:r>
+            <a:r>
+              <a:rPr lang="lt-LT" dirty="0" smtClean="0"/>
+              <a:t>ištestuota po </a:t>
+            </a:r>
+            <a:r>
+              <a:rPr lang="lt-LT" dirty="0"/>
+              <a:t>100 tinklų </a:t>
+            </a:r>
+            <a:r>
+              <a:rPr lang="lt-LT" dirty="0" err="1"/>
+              <a:t>kompresuotiems</a:t>
+            </a:r>
+            <a:r>
+              <a:rPr lang="lt-LT" dirty="0"/>
+              <a:t> 18-os dimensijų bei originaliems 30-ies dimensijų duomenims.</a:t>
+            </a:r>
+            <a:endParaRPr lang="lt-LT" dirty="0" smtClean="0"/>
+          </a:p>
+          <a:p>
+            <a:r>
+              <a:rPr lang="lt-LT" dirty="0" smtClean="0"/>
+              <a:t>Vidutinis </a:t>
+            </a:r>
+            <a:r>
+              <a:rPr lang="lt-LT" dirty="0"/>
+              <a:t>teisingai suklasifikuotų duomenų </a:t>
+            </a:r>
+            <a:r>
+              <a:rPr lang="lt-LT" dirty="0" smtClean="0"/>
+              <a:t>skaičius:</a:t>
+            </a:r>
+          </a:p>
+          <a:p>
+            <a:pPr lvl="1"/>
+            <a:r>
+              <a:rPr lang="lt-LT" dirty="0" smtClean="0"/>
+              <a:t>30-ies dimensijų  - apie 1429</a:t>
+            </a:r>
+            <a:r>
+              <a:rPr lang="lt-LT" i="1" dirty="0" smtClean="0"/>
+              <a:t>,</a:t>
+            </a:r>
+            <a:r>
+              <a:rPr lang="lt-LT" dirty="0" smtClean="0"/>
+              <a:t>4.</a:t>
+            </a:r>
+          </a:p>
+          <a:p>
+            <a:pPr lvl="1"/>
+            <a:r>
+              <a:rPr lang="lt-LT" dirty="0" smtClean="0"/>
+              <a:t>18-os </a:t>
+            </a:r>
+            <a:r>
+              <a:rPr lang="lt-LT" dirty="0"/>
+              <a:t>dimensijų </a:t>
+            </a:r>
+            <a:r>
+              <a:rPr lang="lt-LT" dirty="0" smtClean="0"/>
+              <a:t>– apie 1438</a:t>
+            </a:r>
+            <a:r>
+              <a:rPr lang="lt-LT" i="1" dirty="0"/>
+              <a:t>,</a:t>
+            </a:r>
+            <a:r>
+              <a:rPr lang="lt-LT" dirty="0" smtClean="0"/>
+              <a:t>6</a:t>
+            </a:r>
+            <a:r>
+              <a:rPr lang="lt-LT" dirty="0"/>
+              <a:t>.</a:t>
+            </a:r>
+            <a:endParaRPr lang="lt-LT" dirty="0"/>
+          </a:p>
+        </p:txBody>
+      </p:sp>
     </p:spTree>
     <p:extLst>
       <p:ext uri="{BB962C8B-B14F-4D97-AF65-F5344CB8AC3E}">
@@ -3420,15 +3508,23 @@
           <a:p>
             <a:r>
               <a:rPr lang="lt-LT" dirty="0"/>
-              <a:t>8. Tiriamų duomenų dimensijų skaičių sumažinus iki 18, klaidų skaičius vidutiniškai sumažėja apie 13</a:t>
+              <a:t>8. Tiriamų duomenų dimensijų skaičių sumažinus iki 18, klaidų skaičius vidutiniškai sumažėja apie </a:t>
+            </a:r>
+            <a:r>
+              <a:rPr lang="lt-LT" dirty="0" smtClean="0"/>
+              <a:t>13</a:t>
             </a:r>
             <a:r>
               <a:rPr lang="lt-LT" i="1" dirty="0"/>
-              <a:t>:</a:t>
-            </a:r>
-            <a:r>
-              <a:rPr lang="lt-LT" dirty="0"/>
-              <a:t>03%.</a:t>
+              <a:t>,</a:t>
+            </a:r>
+            <a:r>
+              <a:rPr lang="lt-LT" dirty="0" smtClean="0"/>
+              <a:t>03</a:t>
+            </a:r>
+            <a:r>
+              <a:rPr lang="lt-LT" dirty="0"/>
+              <a:t>%.</a:t>
             </a:r>
           </a:p>
         </p:txBody>
@@ -3487,7 +3583,7 @@
           <a:p>
             <a:r>
               <a:rPr lang="lt-LT" dirty="0" smtClean="0"/>
-              <a:t>Darbo tikslas</a:t>
+              <a:t>Darbo aprašymas</a:t>
             </a:r>
             <a:endParaRPr lang="lt-LT" dirty="0"/>
           </a:p>
@@ -3505,12 +3601,14 @@
         </p:nvSpPr>
         <p:spPr/>
         <p:txBody>
-          <a:bodyPr/>
-          <a:lstStyle/>
-          <a:p>
-            <a:r>
-              <a:rPr lang="lt-LT" dirty="0" smtClean="0"/>
-              <a:t>Ištirti</a:t>
+          <a:bodyPr>
+            <a:normAutofit fontScale="55000" lnSpcReduction="20000"/>
+          </a:bodyPr>
+          <a:lstStyle/>
+          <a:p>
+            <a:r>
+              <a:rPr lang="lt-LT" dirty="0" smtClean="0"/>
+              <a:t>Tikslas - ištirti</a:t>
             </a:r>
             <a:r>
               <a:rPr lang="lt-LT" dirty="0"/>
@@ -3530,7 +3628,187 @@
             </a:r>
             <a:r>
               <a:rPr lang="lt-LT" dirty="0"/>
-              <a:t>naudojamų duomenų dimensiškumą.</a:t>
+              <a:t>naudojamų duomenų dimensiškumą</a:t>
+            </a:r>
+            <a:r>
+              <a:rPr lang="lt-LT" dirty="0" smtClean="0"/>
+              <a:t>.</a:t>
+            </a:r>
+          </a:p>
+          <a:p>
+            <a:r>
+              <a:rPr lang="lt-LT" dirty="0"/>
+              <a:t>Darbo uždaviniai:</a:t>
+            </a:r>
+          </a:p>
+          <a:p>
+            <a:pPr marL="514350" indent="-514350">
+              <a:buFont typeface="+mj-lt"/>
+              <a:buAutoNum type="arabicPeriod"/>
+            </a:pPr>
+            <a:r>
+              <a:rPr lang="lt-LT" dirty="0" smtClean="0"/>
+              <a:t>Suprogramuoti </a:t>
+            </a:r>
+            <a:r>
+              <a:rPr lang="lt-LT" dirty="0"/>
+              <a:t>daugiasluoksnį perceptroną.</a:t>
+            </a:r>
+          </a:p>
+          <a:p>
+            <a:pPr marL="514350" indent="-514350">
+              <a:buFont typeface="+mj-lt"/>
+              <a:buAutoNum type="arabicPeriod"/>
+            </a:pPr>
+            <a:r>
+              <a:rPr lang="lt-LT" dirty="0" smtClean="0"/>
+              <a:t>Sukurti </a:t>
+            </a:r>
+            <a:r>
+              <a:rPr lang="lt-LT" dirty="0"/>
+              <a:t>klasifikuojantį daugiasluoksnį perceptroną.</a:t>
+            </a:r>
+          </a:p>
+          <a:p>
+            <a:pPr marL="514350" indent="-514350">
+              <a:buFont typeface="+mj-lt"/>
+              <a:buAutoNum type="arabicPeriod"/>
+            </a:pPr>
+            <a:r>
+              <a:rPr lang="lt-LT" dirty="0" smtClean="0"/>
+              <a:t>Parinkus </a:t>
+            </a:r>
+            <a:r>
+              <a:rPr lang="lt-LT" dirty="0"/>
+              <a:t>tinkamus duomenis, ištestuoti klasifikuojantį daugiasluoksnį perceptroną.</a:t>
+            </a:r>
+          </a:p>
+          <a:p>
+            <a:pPr marL="514350" indent="-514350">
+              <a:buFont typeface="+mj-lt"/>
+              <a:buAutoNum type="arabicPeriod"/>
+            </a:pPr>
+            <a:r>
+              <a:rPr lang="it-IT" dirty="0" smtClean="0"/>
+              <a:t>Ištirti </a:t>
+            </a:r>
+            <a:r>
+              <a:rPr lang="it-IT" dirty="0"/>
+              <a:t>dimensiškumo mažinimo metodus.</a:t>
+            </a:r>
+          </a:p>
+          <a:p>
+            <a:pPr marL="514350" indent="-514350">
+              <a:buFont typeface="+mj-lt"/>
+              <a:buAutoNum type="arabicPeriod"/>
+            </a:pPr>
+            <a:r>
+              <a:rPr lang="lt-LT" dirty="0" smtClean="0"/>
+              <a:t>Pasirinkti </a:t>
+            </a:r>
+            <a:r>
+              <a:rPr lang="lt-LT" dirty="0"/>
+              <a:t>tyrimui tinkamą dimensiškumo mažinimo metodą.</a:t>
+            </a:r>
+          </a:p>
+          <a:p>
+            <a:pPr marL="514350" indent="-514350">
+              <a:buFont typeface="+mj-lt"/>
+              <a:buAutoNum type="arabicPeriod"/>
+            </a:pPr>
+            <a:r>
+              <a:rPr lang="it-IT" dirty="0" smtClean="0"/>
+              <a:t>Realizuoti </a:t>
+            </a:r>
+            <a:r>
+              <a:rPr lang="it-IT" dirty="0"/>
+              <a:t>pasirinktą dimensiškumo mažinimo metodą.</a:t>
+            </a:r>
+          </a:p>
+          <a:p>
+            <a:pPr marL="514350" indent="-514350">
+              <a:buFont typeface="+mj-lt"/>
+              <a:buAutoNum type="arabicPeriod"/>
+            </a:pPr>
+            <a:r>
+              <a:rPr lang="lt-LT" dirty="0" smtClean="0"/>
+              <a:t>Ištirti </a:t>
+            </a:r>
+            <a:r>
+              <a:rPr lang="lt-LT" dirty="0"/>
+              <a:t>dimensiškumo mažinimo įtaką duomenims.</a:t>
+            </a:r>
+          </a:p>
+          <a:p>
+            <a:pPr marL="514350" indent="-514350">
+              <a:buFont typeface="+mj-lt"/>
+              <a:buAutoNum type="arabicPeriod"/>
+            </a:pPr>
+            <a:r>
+              <a:rPr lang="lt-LT" dirty="0" smtClean="0"/>
+              <a:t>Ištirti</a:t>
+            </a:r>
+            <a:r>
+              <a:rPr lang="lt-LT" dirty="0"/>
+              <a:t>, kaip keičiasi klasifikavimo rezultatas mažinant daugiasluoksniui perceptronui </a:t>
+            </a:r>
+            <a:r>
+              <a:rPr lang="lt-LT" dirty="0" smtClean="0"/>
+              <a:t>perduodamų duomenų </a:t>
+            </a:r>
+            <a:r>
+              <a:rPr lang="lt-LT" dirty="0"/>
+              <a:t>dimensiškumą.</a:t>
+            </a:r>
+          </a:p>
+          <a:p>
+            <a:pPr marL="514350" indent="-514350">
+              <a:buFont typeface="+mj-lt"/>
+              <a:buAutoNum type="arabicPeriod"/>
+            </a:pPr>
+            <a:r>
+              <a:rPr lang="lt-LT" dirty="0" smtClean="0"/>
+              <a:t>Pasirinkti </a:t>
+            </a:r>
+            <a:r>
+              <a:rPr lang="lt-LT" dirty="0"/>
+              <a:t>optimalų dimensijų skaičių, naudojamą dimensiškumo mažinimui.</a:t>
+            </a:r>
+          </a:p>
+          <a:p>
+            <a:pPr marL="514350" indent="-514350">
+              <a:buFont typeface="+mj-lt"/>
+              <a:buAutoNum type="arabicPeriod"/>
+            </a:pPr>
+            <a:r>
+              <a:rPr lang="lt-LT" dirty="0" smtClean="0"/>
+              <a:t>Palyginti </a:t>
+            </a:r>
+            <a:r>
+              <a:rPr lang="lt-LT" dirty="0"/>
+              <a:t>daugiasluoksnių perceptronų apmokymo bei validacijos klaidas naudojant </a:t>
+            </a:r>
+            <a:r>
+              <a:rPr lang="lt-LT" dirty="0" smtClean="0"/>
+              <a:t>sumažinto ir </a:t>
+            </a:r>
+            <a:r>
+              <a:rPr lang="lt-LT" dirty="0"/>
+              <a:t>nesumažinto dimensiškumo duomenis.</a:t>
+            </a:r>
+          </a:p>
+          <a:p>
+            <a:pPr marL="514350" indent="-514350">
+              <a:buFont typeface="+mj-lt"/>
+              <a:buAutoNum type="arabicPeriod"/>
+            </a:pPr>
+            <a:r>
+              <a:rPr lang="lt-LT" dirty="0" smtClean="0"/>
+              <a:t>Palyginti </a:t>
+            </a:r>
+            <a:r>
+              <a:rPr lang="lt-LT" dirty="0"/>
+              <a:t>sumažinto ir nesumažinto dimensiškumo duomenų klasifikavimo rezultatus.</a:t>
             </a:r>
             <a:endParaRPr lang="lt-LT" dirty="0"/>
           </a:p>
@@ -3660,8 +3938,13 @@
             </a:r>
             <a:r>
               <a:rPr lang="lt-LT" dirty="0" smtClean="0"/>
-              <a:t> paketas skaičiavimams</a:t>
-            </a:r>
+              <a:t> paketas </a:t>
+            </a:r>
+            <a:r>
+              <a:rPr lang="lt-LT" dirty="0" smtClean="0"/>
+              <a:t>skaičiavimams.</a:t>
+            </a:r>
+            <a:endParaRPr lang="lt-LT" dirty="0" smtClean="0"/>
           </a:p>
           <a:p>
             <a:r>
@@ -3769,14 +4052,24 @@
           <a:p>
             <a:r>
               <a:rPr lang="lt-LT" dirty="0" smtClean="0"/>
-              <a:t>Kiekvienai grupei rezultate skiriama po vieną skaičių</a:t>
-            </a:r>
-          </a:p>
-          <a:p>
-            <a:r>
-              <a:rPr lang="lt-LT" dirty="0" smtClean="0"/>
-              <a:t>Šis skaičius pasako, kiek ši grupė yra būdinga tiriamam objektui</a:t>
-            </a:r>
+              <a:t>Kiekvienai grupei rezultate skiriama po vieną </a:t>
+            </a:r>
+            <a:r>
+              <a:rPr lang="lt-LT" dirty="0" smtClean="0"/>
+              <a:t>skaičių.</a:t>
+            </a:r>
+            <a:endParaRPr lang="lt-LT" dirty="0" smtClean="0"/>
+          </a:p>
+          <a:p>
+            <a:r>
+              <a:rPr lang="lt-LT" dirty="0" smtClean="0"/>
+              <a:t>Šis skaičius pasako, kiek ši grupė yra būdinga tiriamam </a:t>
+            </a:r>
+            <a:r>
+              <a:rPr lang="lt-LT" dirty="0" smtClean="0"/>
+              <a:t>objektui.</a:t>
+            </a:r>
+            <a:endParaRPr lang="lt-LT" dirty="0" smtClean="0"/>
           </a:p>
           <a:p>
             <a:r>
@@ -3785,7 +4078,11 @@
             </a:r>
             <a:r>
               <a:rPr lang="lt-LT" dirty="0" smtClean="0"/>
-              <a:t>] (0 – visiškai nebūdinga, 1 – visiškai būdinga)</a:t>
+              <a:t>] (0 – visiškai nebūdinga, 1 – visiškai būdinga</a:t>
+            </a:r>
+            <a:r>
+              <a:rPr lang="lt-LT" dirty="0" smtClean="0"/>
+              <a:t>).</a:t>
             </a:r>
             <a:endParaRPr lang="lt-LT" dirty="0"/>
           </a:p>
@@ -3998,8 +4295,12 @@
           <a:lstStyle/>
           <a:p>
             <a:r>
+              <a:rPr lang="lt-LT" dirty="0" smtClean="0"/>
+              <a:t>P</a:t>
+            </a:r>
+            <a:r>
               <a:rPr lang="it-IT" dirty="0" smtClean="0"/>
-              <a:t>Realizuoti pasirinkt</a:t>
+              <a:t>asirinkt</a:t>
             </a:r>
             <a:r>
               <a:rPr lang="lt-LT" dirty="0"/>
@@ -4307,8 +4608,9 @@
             </a:r>
             <a:r>
               <a:rPr lang="lt-LT" dirty="0" smtClean="0"/>
-              <a:t>skaičių</a:t>
-            </a:r>
+              <a:t>skaičių.</a:t>
+            </a:r>
+            <a:endParaRPr lang="lt-LT" dirty="0" smtClean="0"/>
           </a:p>
           <a:p>
             <a:r>
@@ -4327,7 +4629,6 @@
               <a:rPr lang="lt-LT" dirty="0"/>
               <a:t>atstatyti į pradinius.</a:t>
             </a:r>
-            <a:endParaRPr lang="lt-LT" dirty="0"/>
           </a:p>
         </p:txBody>
       </p:sp>
@@ -4449,8 +4750,8 @@
         </p:blipFill>
         <p:spPr>
           <a:xfrm>
-            <a:off x="5925683" y="2784389"/>
-            <a:ext cx="5428118" cy="3392574"/>
+            <a:off x="6563170" y="3047154"/>
+            <a:ext cx="5431564" cy="3394728"/>
           </a:xfrm>
           <a:prstGeom prst="rect">
             <a:avLst/>
@@ -4467,33 +4768,45 @@
             <p:ph idx="1"/>
           </p:nvPr>
         </p:nvSpPr>
-        <p:spPr/>
-        <p:txBody>
-          <a:bodyPr/>
-          <a:lstStyle/>
-          <a:p>
-            <a:r>
-              <a:rPr lang="lt-LT" dirty="0"/>
-              <a:t>Atlikti tyrimai, analizuojantys, kaip keičiasi klasifikavimo rezultatas mažinant </a:t>
-            </a:r>
-            <a:r>
-              <a:rPr lang="lt-LT" dirty="0" smtClean="0"/>
-              <a:t>daugiasluoksniui perceptronui </a:t>
-            </a:r>
-            <a:r>
-              <a:rPr lang="lt-LT" dirty="0"/>
-              <a:t>perduodamų duomenų dimensiškumą</a:t>
-            </a:r>
-            <a:r>
-              <a:rPr lang="lt-LT" dirty="0" smtClean="0"/>
-              <a:t>.</a:t>
-            </a:r>
-            <a:endParaRPr lang="en-US" dirty="0" smtClean="0"/>
-          </a:p>
-          <a:p>
-            <a:r>
-              <a:rPr lang="lt-LT" dirty="0"/>
-              <a:t>Pasirinktas optimalus dimensiškumo mažinimui naudojamas dimensijų skaičius – </a:t>
+        <p:spPr>
+          <a:xfrm>
+            <a:off x="838199" y="1825625"/>
+            <a:ext cx="5947161" cy="4351338"/>
+          </a:xfrm>
+        </p:spPr>
+        <p:txBody>
+          <a:bodyPr/>
+          <a:lstStyle/>
+          <a:p>
+            <a:r>
+              <a:rPr lang="lt-LT" dirty="0" smtClean="0"/>
+              <a:t>Atliktas klasifikavimas su sumažinto </a:t>
+            </a:r>
+            <a:r>
+              <a:rPr lang="lt-LT" dirty="0" smtClean="0"/>
+              <a:t>dimensiškumo duomenimis.</a:t>
+            </a:r>
+          </a:p>
+          <a:p>
+            <a:r>
+              <a:rPr lang="lt-LT" dirty="0" smtClean="0"/>
+              <a:t>Išbandyta su [4; 30] dimensijomis.</a:t>
+            </a:r>
+          </a:p>
+          <a:p>
+            <a:r>
+              <a:rPr lang="lt-LT" dirty="0" smtClean="0"/>
+              <a:t>Palyginta klaida su visais 3 grupių duomenimis.</a:t>
+            </a:r>
+          </a:p>
+          <a:p>
+            <a:r>
+              <a:rPr lang="lt-LT" dirty="0" smtClean="0"/>
+              <a:t>Pasirinktas </a:t>
+            </a:r>
+            <a:r>
+              <a:rPr lang="lt-LT" dirty="0"/>
+              <a:t>optimalus dimensiškumo mažinimui naudojamas dimensijų skaičius – </a:t>
             </a:r>
             <a:r>
               <a:rPr lang="en-US" dirty="0"/>
@@ -4557,29 +4870,13 @@
         <p:spPr/>
         <p:txBody>
           <a:bodyPr>
-            <a:normAutofit fontScale="90000"/>
+            <a:normAutofit/>
           </a:bodyPr>
           <a:lstStyle/>
           <a:p>
             <a:r>
               <a:rPr lang="lt-LT" dirty="0" smtClean="0"/>
-              <a:t>Palyginti </a:t>
-            </a:r>
-            <a:r>
-              <a:rPr lang="lt-LT" dirty="0"/>
-              <a:t>daugiasluoksnių perceptronų apmokymo bei validacijos klaidas naudojant sumažinto</a:t>
-            </a:r>
-            <a:r>
-              <a:rPr lang="en-US" dirty="0"/>
-              <a:t> </a:t>
-            </a:r>
-            <a:r>
-              <a:rPr lang="lt-LT" dirty="0"/>
-              <a:t>ir nesumažinto dimensiškumo duomenis</a:t>
-            </a:r>
-            <a:r>
-              <a:rPr lang="lt-LT" dirty="0" smtClean="0"/>
-              <a:t>.</a:t>
+              <a:t>Sumažinto ir nesumažinto dimensiškumo duomenų apmokymo palyginimas</a:t>
             </a:r>
             <a:endParaRPr lang="lt-LT" dirty="0"/>
           </a:p>
@@ -4638,7 +4935,19 @@
             </a:r>
             <a:r>
               <a:rPr lang="en-US" dirty="0" smtClean="0"/>
-              <a:t>18 </a:t>
+              <a:t>18</a:t>
+            </a:r>
+            <a:r>
+              <a:rPr lang="lt-LT" dirty="0" smtClean="0"/>
+              <a:t>-</a:t>
+            </a:r>
+            <a:r>
+              <a:rPr lang="lt-LT" dirty="0" err="1" smtClean="0"/>
+              <a:t>os</a:t>
+            </a:r>
+            <a:r>
+              <a:rPr lang="en-US" dirty="0" smtClean="0"/>
+              <a:t> </a:t>
             </a:r>
             <a:r>
               <a:rPr lang="en-US" dirty="0" err="1" smtClean="0"/>
@@ -4646,7 +4955,23 @@
             </a:r>
             <a:r>
               <a:rPr lang="en-US" dirty="0" smtClean="0"/>
-              <a:t> 30 </a:t>
+              <a:t> </a:t>
+            </a:r>
+            <a:r>
+              <a:rPr lang="en-US" dirty="0" smtClean="0"/>
+              <a:t>30</a:t>
+            </a:r>
+            <a:r>
+              <a:rPr lang="lt-LT" dirty="0" smtClean="0"/>
+              <a:t>-</a:t>
+            </a:r>
+            <a:r>
+              <a:rPr lang="lt-LT" dirty="0" err="1" smtClean="0"/>
+              <a:t>ies</a:t>
+            </a:r>
+            <a:r>
+              <a:rPr lang="en-US" dirty="0" smtClean="0"/>
+              <a:t> </a:t>
             </a:r>
             <a:r>
               <a:rPr lang="en-US" dirty="0" err="1" smtClean="0"/>
@@ -4654,8 +4979,13 @@
             </a:r>
             <a:r>
               <a:rPr lang="lt-LT" dirty="0" smtClean="0"/>
-              <a:t>ų duomenis</a:t>
-            </a:r>
+              <a:t>ų </a:t>
+            </a:r>
+            <a:r>
+              <a:rPr lang="lt-LT" dirty="0" smtClean="0"/>
+              <a:t>duomenys.</a:t>
+            </a:r>
+            <a:endParaRPr lang="lt-LT" dirty="0" smtClean="0"/>
           </a:p>
           <a:p>
             <a:pPr lvl="1"/>
@@ -4669,7 +4999,15 @@
             </a:r>
             <a:r>
               <a:rPr lang="lt-LT" dirty="0" smtClean="0"/>
-              <a:t>mokymosi ir validacijos klaidas.</a:t>
+              <a:t>mokymosi ir validacijos </a:t>
+            </a:r>
+            <a:r>
+              <a:rPr lang="lt-LT" dirty="0" smtClean="0"/>
+              <a:t>klaidos</a:t>
+            </a:r>
+            <a:r>
+              <a:rPr lang="lt-LT" dirty="0" smtClean="0"/>
+              <a:t>.</a:t>
             </a:r>
           </a:p>
           <a:p>

--- a/pristatymas.pptx
+++ b/pristatymas.pptx
@@ -3218,7 +3218,11 @@
             <a:pPr lvl="1"/>
             <a:r>
               <a:rPr lang="lt-LT" dirty="0" smtClean="0"/>
-              <a:t>30-ies dimensijų  - apie 1429</a:t>
+              <a:t>30-ies dimensijų  - apie </a:t>
+            </a:r>
+            <a:r>
+              <a:rPr lang="lt-LT" dirty="0" smtClean="0"/>
+              <a:t>1429</a:t>
             </a:r>
             <a:r>
               <a:rPr lang="lt-LT" i="1" dirty="0" smtClean="0"/>
@@ -3226,8 +3230,9 @@
             </a:r>
             <a:r>
               <a:rPr lang="lt-LT" dirty="0" smtClean="0"/>
-              <a:t>4.</a:t>
-            </a:r>
+              <a:t>4 iš 1500.</a:t>
+            </a:r>
+            <a:endParaRPr lang="lt-LT" dirty="0" smtClean="0"/>
           </a:p>
           <a:p>
             <a:pPr lvl="1"/>
@@ -3241,19 +3246,23 @@
             </a:r>
             <a:r>
               <a:rPr lang="lt-LT" dirty="0" smtClean="0"/>
-              <a:t>– apie 1438</a:t>
-            </a:r>
-            <a:r>
-              <a:rPr lang="lt-LT" i="1" dirty="0"/>
+              <a:t>– </a:t>
+            </a:r>
+            <a:r>
+              <a:rPr lang="lt-LT" smtClean="0"/>
+              <a:t>apie </a:t>
+            </a:r>
+            <a:r>
+              <a:rPr lang="lt-LT" smtClean="0"/>
+              <a:t>1438</a:t>
+            </a:r>
+            <a:r>
+              <a:rPr lang="lt-LT" i="1" smtClean="0"/>
               <a:t>,</a:t>
             </a:r>
             <a:r>
-              <a:rPr lang="lt-LT" dirty="0" smtClean="0"/>
-              <a:t>6</a:t>
-            </a:r>
-            <a:r>
-              <a:rPr lang="lt-LT" dirty="0"/>
-              <a:t>.</a:t>
+              <a:rPr lang="lt-LT" smtClean="0"/>
+              <a:t>6 iš 1500.</a:t>
             </a:r>
             <a:endParaRPr lang="lt-LT" dirty="0"/>
           </a:p>
@@ -3810,7 +3819,6 @@
               <a:rPr lang="lt-LT" dirty="0"/>
               <a:t>sumažinto ir nesumažinto dimensiškumo duomenų klasifikavimo rezultatus.</a:t>
             </a:r>
-            <a:endParaRPr lang="lt-LT" dirty="0"/>
           </a:p>
         </p:txBody>
       </p:sp>
@@ -3938,13 +3946,8 @@
             </a:r>
             <a:r>
               <a:rPr lang="lt-LT" dirty="0" smtClean="0"/>
-              <a:t> paketas </a:t>
-            </a:r>
-            <a:r>
-              <a:rPr lang="lt-LT" dirty="0" smtClean="0"/>
-              <a:t>skaičiavimams.</a:t>
-            </a:r>
-            <a:endParaRPr lang="lt-LT" dirty="0" smtClean="0"/>
+              <a:t> paketas skaičiavimams.</a:t>
+            </a:r>
           </a:p>
           <a:p>
             <a:r>
@@ -4052,24 +4055,14 @@
           <a:p>
             <a:r>
               <a:rPr lang="lt-LT" dirty="0" smtClean="0"/>
-              <a:t>Kiekvienai grupei rezultate skiriama po vieną </a:t>
-            </a:r>
-            <a:r>
-              <a:rPr lang="lt-LT" dirty="0" smtClean="0"/>
-              <a:t>skaičių.</a:t>
-            </a:r>
-            <a:endParaRPr lang="lt-LT" dirty="0" smtClean="0"/>
-          </a:p>
-          <a:p>
-            <a:r>
-              <a:rPr lang="lt-LT" dirty="0" smtClean="0"/>
-              <a:t>Šis skaičius pasako, kiek ši grupė yra būdinga tiriamam </a:t>
-            </a:r>
-            <a:r>
-              <a:rPr lang="lt-LT" dirty="0" smtClean="0"/>
-              <a:t>objektui.</a:t>
-            </a:r>
-            <a:endParaRPr lang="lt-LT" dirty="0" smtClean="0"/>
+              <a:t>Kiekvienai grupei rezultate skiriama po vieną skaičių.</a:t>
+            </a:r>
+          </a:p>
+          <a:p>
+            <a:r>
+              <a:rPr lang="lt-LT" dirty="0" smtClean="0"/>
+              <a:t>Šis skaičius pasako, kiek ši grupė yra būdinga tiriamam objektui.</a:t>
+            </a:r>
           </a:p>
           <a:p>
             <a:r>
@@ -4078,11 +4071,7 @@
             </a:r>
             <a:r>
               <a:rPr lang="lt-LT" dirty="0" smtClean="0"/>
-              <a:t>] (0 – visiškai nebūdinga, 1 – visiškai būdinga</a:t>
-            </a:r>
-            <a:r>
-              <a:rPr lang="lt-LT" dirty="0" smtClean="0"/>
-              <a:t>).</a:t>
+              <a:t>] (0 – visiškai nebūdinga, 1 – visiškai būdinga).</a:t>
             </a:r>
             <a:endParaRPr lang="lt-LT" dirty="0"/>
           </a:p>
@@ -4234,7 +4223,15 @@
           <a:p>
             <a:r>
               <a:rPr lang="lt-LT" dirty="0" smtClean="0"/>
-              <a:t>Pasirinktas dimensiškumo mažinimas daugiasluoksniu perceptronu metodas.</a:t>
+              <a:t>Pasirinktas dimensiškumo </a:t>
+            </a:r>
+            <a:r>
+              <a:rPr lang="lt-LT" dirty="0" smtClean="0"/>
+              <a:t>mažinimo </a:t>
+            </a:r>
+            <a:r>
+              <a:rPr lang="lt-LT" dirty="0" smtClean="0"/>
+              <a:t>daugiasluoksniu perceptronu metodas.</a:t>
             </a:r>
             <a:endParaRPr lang="lt-LT" dirty="0"/>
           </a:p>
@@ -4595,22 +4592,71 @@
         <p:spPr>
           <a:xfrm>
             <a:off x="838200" y="1825625"/>
-            <a:ext cx="5554362" cy="4351338"/>
+            <a:ext cx="5708186" cy="4351338"/>
           </a:xfrm>
         </p:spPr>
         <p:txBody>
-          <a:bodyPr/>
-          <a:lstStyle/>
-          <a:p>
-            <a:r>
-              <a:rPr lang="lt-LT" dirty="0"/>
-              <a:t>Tiriamų chromosomų duomenų dimensiškumas sumažintas iki visų galimų dimensijų </a:t>
+          <a:bodyPr>
+            <a:normAutofit fontScale="92500"/>
+          </a:bodyPr>
+          <a:lstStyle/>
+          <a:p>
+            <a:r>
+              <a:rPr lang="lt-LT" dirty="0" smtClean="0"/>
+              <a:t>Tyrimams naudoti chromosomų duomenys:</a:t>
+            </a:r>
+          </a:p>
+          <a:p>
+            <a:pPr lvl="1"/>
+            <a:r>
+              <a:rPr lang="en-US" dirty="0" smtClean="0"/>
+              <a:t>3 </a:t>
+            </a:r>
+            <a:r>
+              <a:rPr lang="lt-LT" dirty="0" smtClean="0"/>
+              <a:t>chromosomų </a:t>
+            </a:r>
+            <a:r>
+              <a:rPr lang="en-US" dirty="0" err="1" smtClean="0"/>
+              <a:t>grup</a:t>
+            </a:r>
+            <a:r>
+              <a:rPr lang="lt-LT" dirty="0" smtClean="0"/>
+              <a:t>ės (iš 24).</a:t>
+            </a:r>
+          </a:p>
+          <a:p>
+            <a:pPr lvl="1"/>
+            <a:r>
+              <a:rPr lang="lt-LT" dirty="0" smtClean="0"/>
+              <a:t>Kiekvienoje grupėje po 500 chromosomų.</a:t>
+            </a:r>
+          </a:p>
+          <a:p>
+            <a:pPr lvl="1"/>
+            <a:r>
+              <a:rPr lang="lt-LT" dirty="0" smtClean="0"/>
+              <a:t>Kiekviena chromosoma turi 30 </a:t>
+            </a:r>
+            <a:r>
+              <a:rPr lang="lt-LT" dirty="0"/>
+              <a:t>parametrų.</a:t>
+            </a:r>
+            <a:endParaRPr lang="lt-LT" dirty="0" smtClean="0"/>
+          </a:p>
+          <a:p>
+            <a:r>
+              <a:rPr lang="lt-LT" dirty="0" smtClean="0"/>
+              <a:t>Tiriamų </a:t>
+            </a:r>
+            <a:r>
+              <a:rPr lang="lt-LT" dirty="0"/>
+              <a:t>chromosomų duomenų dimensiškumas sumažintas iki visų galimų dimensijų </a:t>
             </a:r>
             <a:r>
               <a:rPr lang="lt-LT" dirty="0" smtClean="0"/>
               <a:t>skaičių.</a:t>
             </a:r>
-            <a:endParaRPr lang="lt-LT" dirty="0" smtClean="0"/>
           </a:p>
           <a:p>
             <a:r>
@@ -4648,7 +4694,7 @@
         </p:blipFill>
         <p:spPr>
           <a:xfrm>
-            <a:off x="6392562" y="1690689"/>
+            <a:off x="6546386" y="1690688"/>
             <a:ext cx="5323445" cy="3401401"/>
           </a:xfrm>
           <a:prstGeom prst="rect">
@@ -4780,11 +4826,7 @@
           <a:p>
             <a:r>
               <a:rPr lang="lt-LT" dirty="0" smtClean="0"/>
-              <a:t>Atliktas klasifikavimas su sumažinto </a:t>
-            </a:r>
-            <a:r>
-              <a:rPr lang="lt-LT" dirty="0" smtClean="0"/>
-              <a:t>dimensiškumo duomenimis.</a:t>
+              <a:t>Atliktas klasifikavimas su sumažinto dimensiškumo duomenimis.</a:t>
             </a:r>
           </a:p>
           <a:p>
@@ -4796,7 +4838,11 @@
           <a:p>
             <a:r>
               <a:rPr lang="lt-LT" dirty="0" smtClean="0"/>
-              <a:t>Palyginta klaida su visais 3 grupių duomenimis.</a:t>
+              <a:t>Palygintos klaidos, panaudojus visus </a:t>
+            </a:r>
+            <a:r>
+              <a:rPr lang="lt-LT" dirty="0" smtClean="0"/>
+              <a:t>3 grupių duomenimis.</a:t>
             </a:r>
           </a:p>
           <a:p>
@@ -4955,11 +5001,7 @@
             </a:r>
             <a:r>
               <a:rPr lang="en-US" dirty="0" smtClean="0"/>
-              <a:t> </a:t>
-            </a:r>
-            <a:r>
-              <a:rPr lang="en-US" dirty="0" smtClean="0"/>
-              <a:t>30</a:t>
+              <a:t> 30</a:t>
             </a:r>
             <a:r>
               <a:rPr lang="lt-LT" dirty="0" smtClean="0"/>
@@ -4979,13 +5021,8 @@
             </a:r>
             <a:r>
               <a:rPr lang="lt-LT" dirty="0" smtClean="0"/>
-              <a:t>ų </a:t>
-            </a:r>
-            <a:r>
-              <a:rPr lang="lt-LT" dirty="0" smtClean="0"/>
-              <a:t>duomenys.</a:t>
-            </a:r>
-            <a:endParaRPr lang="lt-LT" dirty="0" smtClean="0"/>
+              <a:t>ų duomenys.</a:t>
+            </a:r>
           </a:p>
           <a:p>
             <a:pPr lvl="1"/>
@@ -4999,15 +5036,7 @@
             </a:r>
             <a:r>
               <a:rPr lang="lt-LT" dirty="0" smtClean="0"/>
-              <a:t>mokymosi ir validacijos </a:t>
-            </a:r>
-            <a:r>
-              <a:rPr lang="lt-LT" dirty="0" smtClean="0"/>
-              <a:t>klaidos</a:t>
-            </a:r>
-            <a:r>
-              <a:rPr lang="lt-LT" dirty="0" smtClean="0"/>
-              <a:t>.</a:t>
+              <a:t>mokymosi ir validacijos klaidos.</a:t>
             </a:r>
           </a:p>
           <a:p>
